--- a/嵌入式影像處理_0514.pptx
+++ b/嵌入式影像處理_0514.pptx
@@ -5,10 +5,10 @@
     <p:sldMasterId id="2147483648" r:id="rId1"/>
   </p:sldMasterIdLst>
   <p:notesMasterIdLst>
-    <p:notesMasterId r:id="rId15"/>
+    <p:notesMasterId r:id="rId17"/>
   </p:notesMasterIdLst>
   <p:handoutMasterIdLst>
-    <p:handoutMasterId r:id="rId16"/>
+    <p:handoutMasterId r:id="rId18"/>
   </p:handoutMasterIdLst>
   <p:sldIdLst>
     <p:sldId id="1269" r:id="rId2"/>
@@ -17,13 +17,15 @@
     <p:sldId id="272" r:id="rId5"/>
     <p:sldId id="1480" r:id="rId6"/>
     <p:sldId id="1668" r:id="rId7"/>
-    <p:sldId id="267" r:id="rId8"/>
-    <p:sldId id="1671" r:id="rId9"/>
-    <p:sldId id="1691" r:id="rId10"/>
-    <p:sldId id="1678" r:id="rId11"/>
-    <p:sldId id="1679" r:id="rId12"/>
-    <p:sldId id="1680" r:id="rId13"/>
-    <p:sldId id="1681" r:id="rId14"/>
+    <p:sldId id="275" r:id="rId8"/>
+    <p:sldId id="267" r:id="rId9"/>
+    <p:sldId id="1671" r:id="rId10"/>
+    <p:sldId id="1693" r:id="rId11"/>
+    <p:sldId id="1692" r:id="rId12"/>
+    <p:sldId id="1678" r:id="rId13"/>
+    <p:sldId id="1679" r:id="rId14"/>
+    <p:sldId id="1680" r:id="rId15"/>
+    <p:sldId id="1681" r:id="rId16"/>
   </p:sldIdLst>
   <p:sldSz cx="12192000" cy="6858000"/>
   <p:notesSz cx="6858000" cy="9144000"/>
@@ -145,13 +147,15 @@
         </p14:section>
         <p14:section name="當週進度" id="{8B4424AE-5C78-444D-8B6D-A19D7D6E2311}">
           <p14:sldIdLst>
+            <p14:sldId id="275"/>
             <p14:sldId id="267"/>
           </p14:sldIdLst>
         </p14:section>
         <p14:section name="進度統整" id="{FD50D92C-BE9A-4975-B1A3-341B41B3D14A}">
           <p14:sldIdLst>
             <p14:sldId id="1671"/>
-            <p14:sldId id="1691"/>
+            <p14:sldId id="1693"/>
+            <p14:sldId id="1692"/>
           </p14:sldIdLst>
         </p14:section>
         <p14:section name="開會紀錄" id="{EF7418D1-B9AA-46DB-A43F-CE8B8FDE3B12}">
@@ -4279,38 +4283,122 @@
       </p:grpSpPr>
       <p:sp>
         <p:nvSpPr>
-          <p:cNvPr id="3" name="標題 2">
+          <p:cNvPr id="3" name="標題 2"/>
+          <p:cNvSpPr>
+            <a:spLocks noGrp="1"/>
+          </p:cNvSpPr>
+          <p:nvPr>
+            <p:ph type="title"/>
+          </p:nvPr>
+        </p:nvSpPr>
+        <p:spPr/>
+        <p:txBody>
+          <a:bodyPr>
+            <a:normAutofit/>
+          </a:bodyPr>
+          <a:lstStyle/>
+          <a:p>
+            <a:r>
+              <a:rPr lang="zh-TW" altLang="en-US" dirty="0"/>
+              <a:t>分工</a:t>
+            </a:r>
+          </a:p>
+        </p:txBody>
+      </p:sp>
+      <p:pic>
+        <p:nvPicPr>
+          <p:cNvPr id="12" name="圖片 11">
             <a:extLst>
               <a:ext uri="{FF2B5EF4-FFF2-40B4-BE49-F238E27FC236}">
-                <a16:creationId xmlns:a16="http://schemas.microsoft.com/office/drawing/2014/main" id="{EF277299-8610-4660-86B9-EE584C561AB1}"/>
+                <a16:creationId xmlns:a16="http://schemas.microsoft.com/office/drawing/2014/main" id="{37FDFB1A-528B-4360-889C-6F0C1810793E}"/>
               </a:ext>
             </a:extLst>
           </p:cNvPr>
-          <p:cNvSpPr>
-            <a:spLocks noGrp="1"/>
-          </p:cNvSpPr>
-          <p:nvPr>
-            <p:ph type="title"/>
-          </p:nvPr>
-        </p:nvSpPr>
-        <p:spPr/>
-        <p:txBody>
-          <a:bodyPr/>
-          <a:lstStyle/>
-          <a:p>
-            <a:r>
-              <a:rPr lang="zh-TW" altLang="en-US" dirty="0"/>
-              <a:t>開會紀錄</a:t>
-            </a:r>
-          </a:p>
-        </p:txBody>
-      </p:sp>
-      <p:sp>
-        <p:nvSpPr>
-          <p:cNvPr id="4" name="文字方塊 3">
+          <p:cNvPicPr>
+            <a:picLocks noChangeAspect="1"/>
+          </p:cNvPicPr>
+          <p:nvPr/>
+        </p:nvPicPr>
+        <p:blipFill>
+          <a:blip r:embed="rId2">
+            <a:extLst>
+              <a:ext uri="{28A0092B-C50C-407E-A947-70E740481C1C}">
+                <a14:useLocalDpi xmlns:a14="http://schemas.microsoft.com/office/drawing/2010/main" val="0"/>
+              </a:ext>
+            </a:extLst>
+          </a:blip>
+          <a:stretch>
+            <a:fillRect/>
+          </a:stretch>
+        </p:blipFill>
+        <p:spPr>
+          <a:xfrm>
+            <a:off x="838200" y="1590049"/>
+            <a:ext cx="8193740" cy="4517998"/>
+          </a:xfrm>
+          <a:prstGeom prst="rect">
+            <a:avLst/>
+          </a:prstGeom>
+        </p:spPr>
+      </p:pic>
+      <p:sp>
+        <p:nvSpPr>
+          <p:cNvPr id="13" name="矩形 12">
             <a:extLst>
               <a:ext uri="{FF2B5EF4-FFF2-40B4-BE49-F238E27FC236}">
-                <a16:creationId xmlns:a16="http://schemas.microsoft.com/office/drawing/2014/main" id="{0B78FF00-22EE-439F-B0CF-29F508903522}"/>
+                <a16:creationId xmlns:a16="http://schemas.microsoft.com/office/drawing/2014/main" id="{123B0CD3-EFD8-4394-A358-0EDF7A14BFD1}"/>
+              </a:ext>
+            </a:extLst>
+          </p:cNvPr>
+          <p:cNvSpPr/>
+          <p:nvPr/>
+        </p:nvSpPr>
+        <p:spPr>
+          <a:xfrm>
+            <a:off x="3053918" y="2583402"/>
+            <a:ext cx="2157273" cy="1056444"/>
+          </a:xfrm>
+          <a:prstGeom prst="rect">
+            <a:avLst/>
+          </a:prstGeom>
+          <a:noFill/>
+          <a:ln w="38100">
+            <a:solidFill>
+              <a:srgbClr val="FF0000"/>
+            </a:solidFill>
+          </a:ln>
+        </p:spPr>
+        <p:style>
+          <a:lnRef idx="2">
+            <a:schemeClr val="accent1">
+              <a:shade val="50000"/>
+            </a:schemeClr>
+          </a:lnRef>
+          <a:fillRef idx="1">
+            <a:schemeClr val="accent1"/>
+          </a:fillRef>
+          <a:effectRef idx="0">
+            <a:schemeClr val="accent1"/>
+          </a:effectRef>
+          <a:fontRef idx="minor">
+            <a:schemeClr val="lt1"/>
+          </a:fontRef>
+        </p:style>
+        <p:txBody>
+          <a:bodyPr rtlCol="0" anchor="ctr"/>
+          <a:lstStyle/>
+          <a:p>
+            <a:pPr algn="ctr"/>
+            <a:endParaRPr lang="zh-TW" altLang="en-US"/>
+          </a:p>
+        </p:txBody>
+      </p:sp>
+      <p:sp>
+        <p:nvSpPr>
+          <p:cNvPr id="16" name="文字方塊 15">
+            <a:extLst>
+              <a:ext uri="{FF2B5EF4-FFF2-40B4-BE49-F238E27FC236}">
+                <a16:creationId xmlns:a16="http://schemas.microsoft.com/office/drawing/2014/main" id="{E2E9BBCA-75D5-41BF-A762-1AB2CFDF8189}"/>
               </a:ext>
             </a:extLst>
           </p:cNvPr>
@@ -4319,8 +4407,8 @@
         </p:nvSpPr>
         <p:spPr>
           <a:xfrm>
-            <a:off x="838200" y="1217689"/>
-            <a:ext cx="10454638" cy="830997"/>
+            <a:off x="3232307" y="2134559"/>
+            <a:ext cx="1800493" cy="369332"/>
           </a:xfrm>
           <a:prstGeom prst="rect">
             <a:avLst/>
@@ -4328,94 +4416,115 @@
           <a:noFill/>
         </p:spPr>
         <p:txBody>
-          <a:bodyPr wrap="square" rtlCol="0">
+          <a:bodyPr wrap="none" rtlCol="0">
             <a:spAutoFit/>
           </a:bodyPr>
           <a:lstStyle/>
           <a:p>
-            <a:pPr marL="285750" indent="-285750">
-              <a:buFont typeface="Arial" panose="020B0604020202020204" pitchFamily="34" charset="0"/>
-              <a:buChar char="•"/>
-            </a:pPr>
-            <a:r>
-              <a:rPr lang="en-US" altLang="zh-TW" sz="1200" dirty="0">
-                <a:latin typeface="微軟正黑體" panose="020B0604030504040204" pitchFamily="34" charset="-120"/>
-                <a:ea typeface="微軟正黑體" panose="020B0604030504040204" pitchFamily="34" charset="-120"/>
+            <a:r>
+              <a:rPr lang="zh-TW" altLang="en-US" dirty="0">
+                <a:latin typeface="標楷體" panose="03000509000000000000" pitchFamily="65" charset="-120"/>
+                <a:ea typeface="標楷體" panose="03000509000000000000" pitchFamily="65" charset="-120"/>
               </a:rPr>
-              <a:t>2021/05/13</a:t>
-            </a:r>
-          </a:p>
-          <a:p>
-            <a:pPr marL="742950" lvl="1" indent="-285750">
-              <a:buFont typeface="+mj-lt"/>
-              <a:buAutoNum type="arabicPeriod"/>
-            </a:pPr>
-            <a:r>
-              <a:rPr lang="en-US" altLang="zh-TW" sz="1200" dirty="0">
-                <a:latin typeface="微軟正黑體" panose="020B0604030504040204" pitchFamily="34" charset="-120"/>
-                <a:ea typeface="微軟正黑體" panose="020B0604030504040204" pitchFamily="34" charset="-120"/>
+              <a:t>何佳曄、陳陽棋</a:t>
+            </a:r>
+          </a:p>
+        </p:txBody>
+      </p:sp>
+      <p:sp>
+        <p:nvSpPr>
+          <p:cNvPr id="17" name="矩形 16">
+            <a:extLst>
+              <a:ext uri="{FF2B5EF4-FFF2-40B4-BE49-F238E27FC236}">
+                <a16:creationId xmlns:a16="http://schemas.microsoft.com/office/drawing/2014/main" id="{1EB57253-91D5-4AB5-BD2C-7ADF0B4811D8}"/>
+              </a:ext>
+            </a:extLst>
+          </p:cNvPr>
+          <p:cNvSpPr/>
+          <p:nvPr/>
+        </p:nvSpPr>
+        <p:spPr>
+          <a:xfrm>
+            <a:off x="3053918" y="3849048"/>
+            <a:ext cx="2157273" cy="1056444"/>
+          </a:xfrm>
+          <a:prstGeom prst="rect">
+            <a:avLst/>
+          </a:prstGeom>
+          <a:noFill/>
+          <a:ln w="38100">
+            <a:solidFill>
+              <a:srgbClr val="FF0000"/>
+            </a:solidFill>
+          </a:ln>
+        </p:spPr>
+        <p:style>
+          <a:lnRef idx="2">
+            <a:schemeClr val="accent1">
+              <a:shade val="50000"/>
+            </a:schemeClr>
+          </a:lnRef>
+          <a:fillRef idx="1">
+            <a:schemeClr val="accent1"/>
+          </a:fillRef>
+          <a:effectRef idx="0">
+            <a:schemeClr val="accent1"/>
+          </a:effectRef>
+          <a:fontRef idx="minor">
+            <a:schemeClr val="lt1"/>
+          </a:fontRef>
+        </p:style>
+        <p:txBody>
+          <a:bodyPr rtlCol="0" anchor="ctr"/>
+          <a:lstStyle/>
+          <a:p>
+            <a:pPr algn="ctr"/>
+            <a:endParaRPr lang="zh-TW" altLang="en-US"/>
+          </a:p>
+        </p:txBody>
+      </p:sp>
+      <p:sp>
+        <p:nvSpPr>
+          <p:cNvPr id="18" name="文字方塊 17">
+            <a:extLst>
+              <a:ext uri="{FF2B5EF4-FFF2-40B4-BE49-F238E27FC236}">
+                <a16:creationId xmlns:a16="http://schemas.microsoft.com/office/drawing/2014/main" id="{65BCA57B-496C-4001-8173-95E6938FEFDE}"/>
+              </a:ext>
+            </a:extLst>
+          </p:cNvPr>
+          <p:cNvSpPr txBox="1"/>
+          <p:nvPr/>
+        </p:nvSpPr>
+        <p:spPr>
+          <a:xfrm>
+            <a:off x="3134577" y="4952771"/>
+            <a:ext cx="1800493" cy="369332"/>
+          </a:xfrm>
+          <a:prstGeom prst="rect">
+            <a:avLst/>
+          </a:prstGeom>
+          <a:noFill/>
+        </p:spPr>
+        <p:txBody>
+          <a:bodyPr wrap="none" rtlCol="0">
+            <a:spAutoFit/>
+          </a:bodyPr>
+          <a:lstStyle/>
+          <a:p>
+            <a:r>
+              <a:rPr lang="zh-TW" altLang="en-US" dirty="0">
+                <a:latin typeface="標楷體" panose="03000509000000000000" pitchFamily="65" charset="-120"/>
+                <a:ea typeface="標楷體" panose="03000509000000000000" pitchFamily="65" charset="-120"/>
               </a:rPr>
-              <a:t>LBP</a:t>
-            </a:r>
-            <a:r>
-              <a:rPr lang="zh-TW" altLang="en-US" sz="1200" dirty="0">
-                <a:latin typeface="微軟正黑體" panose="020B0604030504040204" pitchFamily="34" charset="-120"/>
-                <a:ea typeface="微軟正黑體" panose="020B0604030504040204" pitchFamily="34" charset="-120"/>
-              </a:rPr>
-              <a:t> 抓取相鄰 </a:t>
-            </a:r>
-            <a:r>
-              <a:rPr lang="en-US" altLang="zh-TW" sz="1200" dirty="0">
-                <a:latin typeface="微軟正黑體" panose="020B0604030504040204" pitchFamily="34" charset="-120"/>
-                <a:ea typeface="微軟正黑體" panose="020B0604030504040204" pitchFamily="34" charset="-120"/>
-              </a:rPr>
-              <a:t>blocks </a:t>
-            </a:r>
-            <a:r>
-              <a:rPr lang="zh-TW" altLang="en-US" sz="1200" dirty="0">
-                <a:latin typeface="微軟正黑體" panose="020B0604030504040204" pitchFamily="34" charset="-120"/>
-                <a:ea typeface="微軟正黑體" panose="020B0604030504040204" pitchFamily="34" charset="-120"/>
-              </a:rPr>
-              <a:t>去比較當成 </a:t>
-            </a:r>
-            <a:r>
-              <a:rPr lang="en-US" altLang="zh-TW" sz="1200">
-                <a:latin typeface="微軟正黑體" panose="020B0604030504040204" pitchFamily="34" charset="-120"/>
-                <a:ea typeface="微軟正黑體" panose="020B0604030504040204" pitchFamily="34" charset="-120"/>
-              </a:rPr>
-              <a:t>markers</a:t>
-            </a:r>
-            <a:endParaRPr lang="en-US" altLang="zh-TW" sz="1200" dirty="0">
-              <a:latin typeface="微軟正黑體" panose="020B0604030504040204" pitchFamily="34" charset="-120"/>
-              <a:ea typeface="微軟正黑體" panose="020B0604030504040204" pitchFamily="34" charset="-120"/>
-            </a:endParaRPr>
-          </a:p>
-          <a:p>
-            <a:pPr marL="742950" lvl="1" indent="-285750">
-              <a:buFont typeface="+mj-lt"/>
-              <a:buAutoNum type="arabicPeriod"/>
-            </a:pPr>
-            <a:endParaRPr lang="en-US" altLang="zh-TW" sz="1200" dirty="0">
-              <a:latin typeface="微軟正黑體" panose="020B0604030504040204" pitchFamily="34" charset="-120"/>
-              <a:ea typeface="微軟正黑體" panose="020B0604030504040204" pitchFamily="34" charset="-120"/>
-            </a:endParaRPr>
-          </a:p>
-          <a:p>
-            <a:pPr marL="742950" lvl="1" indent="-285750">
-              <a:buFont typeface="Arial" panose="020B0604020202020204" pitchFamily="34" charset="0"/>
-              <a:buChar char="•"/>
-            </a:pPr>
-            <a:endParaRPr lang="zh-TW" altLang="en-US" sz="1200" dirty="0">
-              <a:latin typeface="微軟正黑體" panose="020B0604030504040204" pitchFamily="34" charset="-120"/>
-              <a:ea typeface="微軟正黑體" panose="020B0604030504040204" pitchFamily="34" charset="-120"/>
-            </a:endParaRPr>
+              <a:t>曾梓維、葉易德</a:t>
+            </a:r>
           </a:p>
         </p:txBody>
       </p:sp>
     </p:spTree>
     <p:extLst>
       <p:ext uri="{BB962C8B-B14F-4D97-AF65-F5344CB8AC3E}">
-        <p14:creationId xmlns:p14="http://schemas.microsoft.com/office/powerpoint/2010/main" val="3301885877"/>
+        <p14:creationId xmlns:p14="http://schemas.microsoft.com/office/powerpoint/2010/main" val="3283162949"/>
       </p:ext>
     </p:extLst>
   </p:cSld>
@@ -4444,28 +4553,100 @@
       </p:grpSpPr>
       <p:sp>
         <p:nvSpPr>
-          <p:cNvPr id="3" name="標題 2">
+          <p:cNvPr id="3" name="標題 2"/>
+          <p:cNvSpPr>
+            <a:spLocks noGrp="1"/>
+          </p:cNvSpPr>
+          <p:nvPr>
+            <p:ph type="title"/>
+          </p:nvPr>
+        </p:nvSpPr>
+        <p:spPr/>
+        <p:txBody>
+          <a:bodyPr/>
+          <a:lstStyle/>
+          <a:p>
+            <a:r>
+              <a:rPr lang="zh-TW" altLang="en-US" dirty="0"/>
+              <a:t>當周進度</a:t>
+            </a:r>
+          </a:p>
+        </p:txBody>
+      </p:sp>
+      <p:pic>
+        <p:nvPicPr>
+          <p:cNvPr id="4" name="圖片 3">
             <a:extLst>
               <a:ext uri="{FF2B5EF4-FFF2-40B4-BE49-F238E27FC236}">
-                <a16:creationId xmlns:a16="http://schemas.microsoft.com/office/drawing/2014/main" id="{EF277299-8610-4660-86B9-EE584C561AB1}"/>
+                <a16:creationId xmlns:a16="http://schemas.microsoft.com/office/drawing/2014/main" id="{1B518967-723D-49C6-BA4B-9ACBBAD42442}"/>
               </a:ext>
             </a:extLst>
           </p:cNvPr>
-          <p:cNvSpPr>
-            <a:spLocks noGrp="1"/>
-          </p:cNvSpPr>
-          <p:nvPr>
-            <p:ph type="title"/>
-          </p:nvPr>
-        </p:nvSpPr>
-        <p:spPr/>
-        <p:txBody>
-          <a:bodyPr/>
-          <a:lstStyle/>
-          <a:p>
-            <a:r>
-              <a:rPr lang="zh-TW" altLang="en-US" dirty="0"/>
-              <a:t>參考資料</a:t>
+          <p:cNvPicPr>
+            <a:picLocks noChangeAspect="1"/>
+          </p:cNvPicPr>
+          <p:nvPr/>
+        </p:nvPicPr>
+        <p:blipFill>
+          <a:blip r:embed="rId2">
+            <a:extLst>
+              <a:ext uri="{28A0092B-C50C-407E-A947-70E740481C1C}">
+                <a14:useLocalDpi xmlns:a14="http://schemas.microsoft.com/office/drawing/2010/main" val="0"/>
+              </a:ext>
+            </a:extLst>
+          </a:blip>
+          <a:stretch>
+            <a:fillRect/>
+          </a:stretch>
+        </p:blipFill>
+        <p:spPr>
+          <a:xfrm>
+            <a:off x="2417877" y="1327638"/>
+            <a:ext cx="6829083" cy="4849580"/>
+          </a:xfrm>
+          <a:prstGeom prst="rect">
+            <a:avLst/>
+          </a:prstGeom>
+        </p:spPr>
+      </p:pic>
+      <p:sp>
+        <p:nvSpPr>
+          <p:cNvPr id="5" name="文字方塊 4">
+            <a:extLst>
+              <a:ext uri="{FF2B5EF4-FFF2-40B4-BE49-F238E27FC236}">
+                <a16:creationId xmlns:a16="http://schemas.microsoft.com/office/drawing/2014/main" id="{D41FD52C-282A-4D46-A7B8-402CC878CCE6}"/>
+              </a:ext>
+            </a:extLst>
+          </p:cNvPr>
+          <p:cNvSpPr txBox="1"/>
+          <p:nvPr/>
+        </p:nvSpPr>
+        <p:spPr>
+          <a:xfrm>
+            <a:off x="838200" y="1327638"/>
+            <a:ext cx="1396536" cy="369332"/>
+          </a:xfrm>
+          <a:prstGeom prst="rect">
+            <a:avLst/>
+          </a:prstGeom>
+          <a:noFill/>
+        </p:spPr>
+        <p:txBody>
+          <a:bodyPr wrap="none" rtlCol="0">
+            <a:spAutoFit/>
+          </a:bodyPr>
+          <a:lstStyle/>
+          <a:p>
+            <a:pPr marL="285750" indent="-285750">
+              <a:buFont typeface="Arial" panose="020B0604020202020204" pitchFamily="34" charset="0"/>
+              <a:buChar char="•"/>
+            </a:pPr>
+            <a:r>
+              <a:rPr lang="zh-TW" altLang="en-US" dirty="0">
+                <a:latin typeface="Times New Roman" panose="02020603050405020304" pitchFamily="18" charset="0"/>
+                <a:ea typeface="標楷體" panose="03000509000000000000" pitchFamily="65" charset="-120"/>
+              </a:rPr>
+              <a:t>設計架構</a:t>
             </a:r>
           </a:p>
         </p:txBody>
@@ -4473,7 +4654,7 @@
     </p:spTree>
     <p:extLst>
       <p:ext uri="{BB962C8B-B14F-4D97-AF65-F5344CB8AC3E}">
-        <p14:creationId xmlns:p14="http://schemas.microsoft.com/office/powerpoint/2010/main" val="387894374"/>
+        <p14:creationId xmlns:p14="http://schemas.microsoft.com/office/powerpoint/2010/main" val="2193210799"/>
       </p:ext>
     </p:extLst>
   </p:cSld>
@@ -4522,6 +4703,257 @@
           <a:lstStyle/>
           <a:p>
             <a:r>
+              <a:rPr lang="zh-TW" altLang="en-US" dirty="0"/>
+              <a:t>開會紀錄</a:t>
+            </a:r>
+          </a:p>
+        </p:txBody>
+      </p:sp>
+      <p:sp>
+        <p:nvSpPr>
+          <p:cNvPr id="4" name="文字方塊 3">
+            <a:extLst>
+              <a:ext uri="{FF2B5EF4-FFF2-40B4-BE49-F238E27FC236}">
+                <a16:creationId xmlns:a16="http://schemas.microsoft.com/office/drawing/2014/main" id="{0B78FF00-22EE-439F-B0CF-29F508903522}"/>
+              </a:ext>
+            </a:extLst>
+          </p:cNvPr>
+          <p:cNvSpPr txBox="1"/>
+          <p:nvPr/>
+        </p:nvSpPr>
+        <p:spPr>
+          <a:xfrm>
+            <a:off x="838200" y="1217689"/>
+            <a:ext cx="10454638" cy="830997"/>
+          </a:xfrm>
+          <a:prstGeom prst="rect">
+            <a:avLst/>
+          </a:prstGeom>
+          <a:noFill/>
+        </p:spPr>
+        <p:txBody>
+          <a:bodyPr wrap="square" rtlCol="0">
+            <a:spAutoFit/>
+          </a:bodyPr>
+          <a:lstStyle/>
+          <a:p>
+            <a:pPr marL="285750" indent="-285750">
+              <a:buFont typeface="Arial" panose="020B0604020202020204" pitchFamily="34" charset="0"/>
+              <a:buChar char="•"/>
+            </a:pPr>
+            <a:r>
+              <a:rPr lang="en-US" altLang="zh-TW" sz="1200" dirty="0">
+                <a:latin typeface="微軟正黑體" panose="020B0604030504040204" pitchFamily="34" charset="-120"/>
+                <a:ea typeface="微軟正黑體" panose="020B0604030504040204" pitchFamily="34" charset="-120"/>
+              </a:rPr>
+              <a:t>2021/05/13</a:t>
+            </a:r>
+          </a:p>
+          <a:p>
+            <a:pPr marL="742950" lvl="1" indent="-285750">
+              <a:buFont typeface="+mj-lt"/>
+              <a:buAutoNum type="arabicPeriod"/>
+            </a:pPr>
+            <a:r>
+              <a:rPr lang="en-US" altLang="zh-TW" sz="1200" dirty="0">
+                <a:latin typeface="微軟正黑體" panose="020B0604030504040204" pitchFamily="34" charset="-120"/>
+                <a:ea typeface="微軟正黑體" panose="020B0604030504040204" pitchFamily="34" charset="-120"/>
+              </a:rPr>
+              <a:t>LBP</a:t>
+            </a:r>
+            <a:r>
+              <a:rPr lang="zh-TW" altLang="en-US" sz="1200" dirty="0">
+                <a:latin typeface="微軟正黑體" panose="020B0604030504040204" pitchFamily="34" charset="-120"/>
+                <a:ea typeface="微軟正黑體" panose="020B0604030504040204" pitchFamily="34" charset="-120"/>
+              </a:rPr>
+              <a:t> 抓取相鄰 </a:t>
+            </a:r>
+            <a:r>
+              <a:rPr lang="en-US" altLang="zh-TW" sz="1200" dirty="0">
+                <a:latin typeface="微軟正黑體" panose="020B0604030504040204" pitchFamily="34" charset="-120"/>
+                <a:ea typeface="微軟正黑體" panose="020B0604030504040204" pitchFamily="34" charset="-120"/>
+              </a:rPr>
+              <a:t>blocks </a:t>
+            </a:r>
+            <a:r>
+              <a:rPr lang="zh-TW" altLang="en-US" sz="1200" dirty="0">
+                <a:latin typeface="微軟正黑體" panose="020B0604030504040204" pitchFamily="34" charset="-120"/>
+                <a:ea typeface="微軟正黑體" panose="020B0604030504040204" pitchFamily="34" charset="-120"/>
+              </a:rPr>
+              <a:t>去比較</a:t>
+            </a:r>
+            <a:r>
+              <a:rPr lang="en-US" altLang="zh-TW" sz="1200" dirty="0">
+                <a:latin typeface="微軟正黑體" panose="020B0604030504040204" pitchFamily="34" charset="-120"/>
+                <a:ea typeface="微軟正黑體" panose="020B0604030504040204" pitchFamily="34" charset="-120"/>
+              </a:rPr>
+              <a:t>, </a:t>
+            </a:r>
+            <a:r>
+              <a:rPr lang="zh-TW" altLang="en-US" sz="1200" dirty="0">
+                <a:latin typeface="微軟正黑體" panose="020B0604030504040204" pitchFamily="34" charset="-120"/>
+                <a:ea typeface="微軟正黑體" panose="020B0604030504040204" pitchFamily="34" charset="-120"/>
+              </a:rPr>
+              <a:t>當成 </a:t>
+            </a:r>
+            <a:r>
+              <a:rPr lang="en-US" altLang="zh-TW" sz="1200" dirty="0">
+                <a:latin typeface="微軟正黑體" panose="020B0604030504040204" pitchFamily="34" charset="-120"/>
+                <a:ea typeface="微軟正黑體" panose="020B0604030504040204" pitchFamily="34" charset="-120"/>
+              </a:rPr>
+              <a:t>watershed </a:t>
+            </a:r>
+            <a:r>
+              <a:rPr lang="zh-TW" altLang="en-US" sz="1200">
+                <a:latin typeface="微軟正黑體" panose="020B0604030504040204" pitchFamily="34" charset="-120"/>
+                <a:ea typeface="微軟正黑體" panose="020B0604030504040204" pitchFamily="34" charset="-120"/>
+              </a:rPr>
+              <a:t>的 </a:t>
+            </a:r>
+            <a:r>
+              <a:rPr lang="en-US" altLang="zh-TW" sz="1200">
+                <a:latin typeface="微軟正黑體" panose="020B0604030504040204" pitchFamily="34" charset="-120"/>
+                <a:ea typeface="微軟正黑體" panose="020B0604030504040204" pitchFamily="34" charset="-120"/>
+              </a:rPr>
+              <a:t>markers</a:t>
+            </a:r>
+            <a:endParaRPr lang="en-US" altLang="zh-TW" sz="1200" dirty="0">
+              <a:latin typeface="微軟正黑體" panose="020B0604030504040204" pitchFamily="34" charset="-120"/>
+              <a:ea typeface="微軟正黑體" panose="020B0604030504040204" pitchFamily="34" charset="-120"/>
+            </a:endParaRPr>
+          </a:p>
+          <a:p>
+            <a:pPr marL="742950" lvl="1" indent="-285750">
+              <a:buFont typeface="+mj-lt"/>
+              <a:buAutoNum type="arabicPeriod"/>
+            </a:pPr>
+            <a:endParaRPr lang="en-US" altLang="zh-TW" sz="1200" dirty="0">
+              <a:latin typeface="微軟正黑體" panose="020B0604030504040204" pitchFamily="34" charset="-120"/>
+              <a:ea typeface="微軟正黑體" panose="020B0604030504040204" pitchFamily="34" charset="-120"/>
+            </a:endParaRPr>
+          </a:p>
+          <a:p>
+            <a:pPr marL="742950" lvl="1" indent="-285750">
+              <a:buFont typeface="Arial" panose="020B0604020202020204" pitchFamily="34" charset="0"/>
+              <a:buChar char="•"/>
+            </a:pPr>
+            <a:endParaRPr lang="zh-TW" altLang="en-US" sz="1200" dirty="0">
+              <a:latin typeface="微軟正黑體" panose="020B0604030504040204" pitchFamily="34" charset="-120"/>
+              <a:ea typeface="微軟正黑體" panose="020B0604030504040204" pitchFamily="34" charset="-120"/>
+            </a:endParaRPr>
+          </a:p>
+        </p:txBody>
+      </p:sp>
+    </p:spTree>
+    <p:extLst>
+      <p:ext uri="{BB962C8B-B14F-4D97-AF65-F5344CB8AC3E}">
+        <p14:creationId xmlns:p14="http://schemas.microsoft.com/office/powerpoint/2010/main" val="3301885877"/>
+      </p:ext>
+    </p:extLst>
+  </p:cSld>
+  <p:clrMapOvr>
+    <a:masterClrMapping/>
+  </p:clrMapOvr>
+</p:sld>
+</file>
+
+<file path=ppt/slides/slide13.xml><?xml version="1.0" encoding="utf-8"?>
+<p:sld xmlns:a="http://schemas.openxmlformats.org/drawingml/2006/main" xmlns:r="http://schemas.openxmlformats.org/officeDocument/2006/relationships" xmlns:p="http://schemas.openxmlformats.org/presentationml/2006/main">
+  <p:cSld>
+    <p:spTree>
+      <p:nvGrpSpPr>
+        <p:cNvPr id="1" name=""/>
+        <p:cNvGrpSpPr/>
+        <p:nvPr/>
+      </p:nvGrpSpPr>
+      <p:grpSpPr>
+        <a:xfrm>
+          <a:off x="0" y="0"/>
+          <a:ext cx="0" cy="0"/>
+          <a:chOff x="0" y="0"/>
+          <a:chExt cx="0" cy="0"/>
+        </a:xfrm>
+      </p:grpSpPr>
+      <p:sp>
+        <p:nvSpPr>
+          <p:cNvPr id="3" name="標題 2">
+            <a:extLst>
+              <a:ext uri="{FF2B5EF4-FFF2-40B4-BE49-F238E27FC236}">
+                <a16:creationId xmlns:a16="http://schemas.microsoft.com/office/drawing/2014/main" id="{EF277299-8610-4660-86B9-EE584C561AB1}"/>
+              </a:ext>
+            </a:extLst>
+          </p:cNvPr>
+          <p:cNvSpPr>
+            <a:spLocks noGrp="1"/>
+          </p:cNvSpPr>
+          <p:nvPr>
+            <p:ph type="title"/>
+          </p:nvPr>
+        </p:nvSpPr>
+        <p:spPr/>
+        <p:txBody>
+          <a:bodyPr/>
+          <a:lstStyle/>
+          <a:p>
+            <a:r>
+              <a:rPr lang="zh-TW" altLang="en-US" dirty="0"/>
+              <a:t>參考資料</a:t>
+            </a:r>
+          </a:p>
+        </p:txBody>
+      </p:sp>
+    </p:spTree>
+    <p:extLst>
+      <p:ext uri="{BB962C8B-B14F-4D97-AF65-F5344CB8AC3E}">
+        <p14:creationId xmlns:p14="http://schemas.microsoft.com/office/powerpoint/2010/main" val="387894374"/>
+      </p:ext>
+    </p:extLst>
+  </p:cSld>
+  <p:clrMapOvr>
+    <a:masterClrMapping/>
+  </p:clrMapOvr>
+</p:sld>
+</file>
+
+<file path=ppt/slides/slide14.xml><?xml version="1.0" encoding="utf-8"?>
+<p:sld xmlns:a="http://schemas.openxmlformats.org/drawingml/2006/main" xmlns:r="http://schemas.openxmlformats.org/officeDocument/2006/relationships" xmlns:p="http://schemas.openxmlformats.org/presentationml/2006/main">
+  <p:cSld>
+    <p:spTree>
+      <p:nvGrpSpPr>
+        <p:cNvPr id="1" name=""/>
+        <p:cNvGrpSpPr/>
+        <p:nvPr/>
+      </p:nvGrpSpPr>
+      <p:grpSpPr>
+        <a:xfrm>
+          <a:off x="0" y="0"/>
+          <a:ext cx="0" cy="0"/>
+          <a:chOff x="0" y="0"/>
+          <a:chExt cx="0" cy="0"/>
+        </a:xfrm>
+      </p:grpSpPr>
+      <p:sp>
+        <p:nvSpPr>
+          <p:cNvPr id="3" name="標題 2">
+            <a:extLst>
+              <a:ext uri="{FF2B5EF4-FFF2-40B4-BE49-F238E27FC236}">
+                <a16:creationId xmlns:a16="http://schemas.microsoft.com/office/drawing/2014/main" id="{EF277299-8610-4660-86B9-EE584C561AB1}"/>
+              </a:ext>
+            </a:extLst>
+          </p:cNvPr>
+          <p:cNvSpPr>
+            <a:spLocks noGrp="1"/>
+          </p:cNvSpPr>
+          <p:nvPr>
+            <p:ph type="title"/>
+          </p:nvPr>
+        </p:nvSpPr>
+        <p:spPr/>
+        <p:txBody>
+          <a:bodyPr/>
+          <a:lstStyle/>
+          <a:p>
+            <a:r>
               <a:rPr lang="en-US" altLang="zh-TW" dirty="0"/>
               <a:t>2021/05/14</a:t>
             </a:r>
@@ -4545,7 +4977,7 @@
 </p:sld>
 </file>
 
-<file path=ppt/slides/slide13.xml><?xml version="1.0" encoding="utf-8"?>
+<file path=ppt/slides/slide15.xml><?xml version="1.0" encoding="utf-8"?>
 <p:sld xmlns:a="http://schemas.openxmlformats.org/drawingml/2006/main" xmlns:r="http://schemas.openxmlformats.org/officeDocument/2006/relationships" xmlns:p="http://schemas.openxmlformats.org/presentationml/2006/main">
   <p:cSld>
     <p:spTree>
@@ -6268,6 +6700,276 @@
         </p:nvSpPr>
         <p:spPr/>
         <p:txBody>
+          <a:bodyPr>
+            <a:normAutofit/>
+          </a:bodyPr>
+          <a:lstStyle/>
+          <a:p>
+            <a:r>
+              <a:rPr lang="zh-TW" altLang="en-US" dirty="0"/>
+              <a:t>分工</a:t>
+            </a:r>
+          </a:p>
+        </p:txBody>
+      </p:sp>
+      <p:pic>
+        <p:nvPicPr>
+          <p:cNvPr id="12" name="圖片 11">
+            <a:extLst>
+              <a:ext uri="{FF2B5EF4-FFF2-40B4-BE49-F238E27FC236}">
+                <a16:creationId xmlns:a16="http://schemas.microsoft.com/office/drawing/2014/main" id="{37FDFB1A-528B-4360-889C-6F0C1810793E}"/>
+              </a:ext>
+            </a:extLst>
+          </p:cNvPr>
+          <p:cNvPicPr>
+            <a:picLocks noChangeAspect="1"/>
+          </p:cNvPicPr>
+          <p:nvPr/>
+        </p:nvPicPr>
+        <p:blipFill>
+          <a:blip r:embed="rId2">
+            <a:extLst>
+              <a:ext uri="{28A0092B-C50C-407E-A947-70E740481C1C}">
+                <a14:useLocalDpi xmlns:a14="http://schemas.microsoft.com/office/drawing/2010/main" val="0"/>
+              </a:ext>
+            </a:extLst>
+          </a:blip>
+          <a:stretch>
+            <a:fillRect/>
+          </a:stretch>
+        </p:blipFill>
+        <p:spPr>
+          <a:xfrm>
+            <a:off x="838200" y="1590049"/>
+            <a:ext cx="8193740" cy="4517998"/>
+          </a:xfrm>
+          <a:prstGeom prst="rect">
+            <a:avLst/>
+          </a:prstGeom>
+        </p:spPr>
+      </p:pic>
+      <p:sp>
+        <p:nvSpPr>
+          <p:cNvPr id="13" name="矩形 12">
+            <a:extLst>
+              <a:ext uri="{FF2B5EF4-FFF2-40B4-BE49-F238E27FC236}">
+                <a16:creationId xmlns:a16="http://schemas.microsoft.com/office/drawing/2014/main" id="{123B0CD3-EFD8-4394-A358-0EDF7A14BFD1}"/>
+              </a:ext>
+            </a:extLst>
+          </p:cNvPr>
+          <p:cNvSpPr/>
+          <p:nvPr/>
+        </p:nvSpPr>
+        <p:spPr>
+          <a:xfrm>
+            <a:off x="3053918" y="2583402"/>
+            <a:ext cx="2157273" cy="1056444"/>
+          </a:xfrm>
+          <a:prstGeom prst="rect">
+            <a:avLst/>
+          </a:prstGeom>
+          <a:noFill/>
+          <a:ln w="38100">
+            <a:solidFill>
+              <a:srgbClr val="FF0000"/>
+            </a:solidFill>
+          </a:ln>
+        </p:spPr>
+        <p:style>
+          <a:lnRef idx="2">
+            <a:schemeClr val="accent1">
+              <a:shade val="50000"/>
+            </a:schemeClr>
+          </a:lnRef>
+          <a:fillRef idx="1">
+            <a:schemeClr val="accent1"/>
+          </a:fillRef>
+          <a:effectRef idx="0">
+            <a:schemeClr val="accent1"/>
+          </a:effectRef>
+          <a:fontRef idx="minor">
+            <a:schemeClr val="lt1"/>
+          </a:fontRef>
+        </p:style>
+        <p:txBody>
+          <a:bodyPr rtlCol="0" anchor="ctr"/>
+          <a:lstStyle/>
+          <a:p>
+            <a:pPr algn="ctr"/>
+            <a:endParaRPr lang="zh-TW" altLang="en-US"/>
+          </a:p>
+        </p:txBody>
+      </p:sp>
+      <p:sp>
+        <p:nvSpPr>
+          <p:cNvPr id="16" name="文字方塊 15">
+            <a:extLst>
+              <a:ext uri="{FF2B5EF4-FFF2-40B4-BE49-F238E27FC236}">
+                <a16:creationId xmlns:a16="http://schemas.microsoft.com/office/drawing/2014/main" id="{E2E9BBCA-75D5-41BF-A762-1AB2CFDF8189}"/>
+              </a:ext>
+            </a:extLst>
+          </p:cNvPr>
+          <p:cNvSpPr txBox="1"/>
+          <p:nvPr/>
+        </p:nvSpPr>
+        <p:spPr>
+          <a:xfrm>
+            <a:off x="3232307" y="2134559"/>
+            <a:ext cx="1800493" cy="369332"/>
+          </a:xfrm>
+          <a:prstGeom prst="rect">
+            <a:avLst/>
+          </a:prstGeom>
+          <a:noFill/>
+        </p:spPr>
+        <p:txBody>
+          <a:bodyPr wrap="none" rtlCol="0">
+            <a:spAutoFit/>
+          </a:bodyPr>
+          <a:lstStyle/>
+          <a:p>
+            <a:r>
+              <a:rPr lang="zh-TW" altLang="en-US" dirty="0">
+                <a:latin typeface="標楷體" panose="03000509000000000000" pitchFamily="65" charset="-120"/>
+                <a:ea typeface="標楷體" panose="03000509000000000000" pitchFamily="65" charset="-120"/>
+              </a:rPr>
+              <a:t>何佳曄、陳陽棋</a:t>
+            </a:r>
+          </a:p>
+        </p:txBody>
+      </p:sp>
+      <p:sp>
+        <p:nvSpPr>
+          <p:cNvPr id="17" name="矩形 16">
+            <a:extLst>
+              <a:ext uri="{FF2B5EF4-FFF2-40B4-BE49-F238E27FC236}">
+                <a16:creationId xmlns:a16="http://schemas.microsoft.com/office/drawing/2014/main" id="{1EB57253-91D5-4AB5-BD2C-7ADF0B4811D8}"/>
+              </a:ext>
+            </a:extLst>
+          </p:cNvPr>
+          <p:cNvSpPr/>
+          <p:nvPr/>
+        </p:nvSpPr>
+        <p:spPr>
+          <a:xfrm>
+            <a:off x="3053918" y="3849048"/>
+            <a:ext cx="2157273" cy="1056444"/>
+          </a:xfrm>
+          <a:prstGeom prst="rect">
+            <a:avLst/>
+          </a:prstGeom>
+          <a:noFill/>
+          <a:ln w="38100">
+            <a:solidFill>
+              <a:srgbClr val="FF0000"/>
+            </a:solidFill>
+          </a:ln>
+        </p:spPr>
+        <p:style>
+          <a:lnRef idx="2">
+            <a:schemeClr val="accent1">
+              <a:shade val="50000"/>
+            </a:schemeClr>
+          </a:lnRef>
+          <a:fillRef idx="1">
+            <a:schemeClr val="accent1"/>
+          </a:fillRef>
+          <a:effectRef idx="0">
+            <a:schemeClr val="accent1"/>
+          </a:effectRef>
+          <a:fontRef idx="minor">
+            <a:schemeClr val="lt1"/>
+          </a:fontRef>
+        </p:style>
+        <p:txBody>
+          <a:bodyPr rtlCol="0" anchor="ctr"/>
+          <a:lstStyle/>
+          <a:p>
+            <a:pPr algn="ctr"/>
+            <a:endParaRPr lang="zh-TW" altLang="en-US"/>
+          </a:p>
+        </p:txBody>
+      </p:sp>
+      <p:sp>
+        <p:nvSpPr>
+          <p:cNvPr id="18" name="文字方塊 17">
+            <a:extLst>
+              <a:ext uri="{FF2B5EF4-FFF2-40B4-BE49-F238E27FC236}">
+                <a16:creationId xmlns:a16="http://schemas.microsoft.com/office/drawing/2014/main" id="{65BCA57B-496C-4001-8173-95E6938FEFDE}"/>
+              </a:ext>
+            </a:extLst>
+          </p:cNvPr>
+          <p:cNvSpPr txBox="1"/>
+          <p:nvPr/>
+        </p:nvSpPr>
+        <p:spPr>
+          <a:xfrm>
+            <a:off x="3134577" y="4952771"/>
+            <a:ext cx="1800493" cy="369332"/>
+          </a:xfrm>
+          <a:prstGeom prst="rect">
+            <a:avLst/>
+          </a:prstGeom>
+          <a:noFill/>
+        </p:spPr>
+        <p:txBody>
+          <a:bodyPr wrap="none" rtlCol="0">
+            <a:spAutoFit/>
+          </a:bodyPr>
+          <a:lstStyle/>
+          <a:p>
+            <a:r>
+              <a:rPr lang="zh-TW" altLang="en-US" dirty="0">
+                <a:latin typeface="標楷體" panose="03000509000000000000" pitchFamily="65" charset="-120"/>
+                <a:ea typeface="標楷體" panose="03000509000000000000" pitchFamily="65" charset="-120"/>
+              </a:rPr>
+              <a:t>曾梓維、葉易德</a:t>
+            </a:r>
+          </a:p>
+        </p:txBody>
+      </p:sp>
+    </p:spTree>
+    <p:extLst>
+      <p:ext uri="{BB962C8B-B14F-4D97-AF65-F5344CB8AC3E}">
+        <p14:creationId xmlns:p14="http://schemas.microsoft.com/office/powerpoint/2010/main" val="556078377"/>
+      </p:ext>
+    </p:extLst>
+  </p:cSld>
+  <p:clrMapOvr>
+    <a:masterClrMapping/>
+  </p:clrMapOvr>
+</p:sld>
+</file>
+
+<file path=ppt/slides/slide8.xml><?xml version="1.0" encoding="utf-8"?>
+<p:sld xmlns:a="http://schemas.openxmlformats.org/drawingml/2006/main" xmlns:r="http://schemas.openxmlformats.org/officeDocument/2006/relationships" xmlns:p="http://schemas.openxmlformats.org/presentationml/2006/main">
+  <p:cSld>
+    <p:spTree>
+      <p:nvGrpSpPr>
+        <p:cNvPr id="1" name=""/>
+        <p:cNvGrpSpPr/>
+        <p:nvPr/>
+      </p:nvGrpSpPr>
+      <p:grpSpPr>
+        <a:xfrm>
+          <a:off x="0" y="0"/>
+          <a:ext cx="0" cy="0"/>
+          <a:chOff x="0" y="0"/>
+          <a:chExt cx="0" cy="0"/>
+        </a:xfrm>
+      </p:grpSpPr>
+      <p:sp>
+        <p:nvSpPr>
+          <p:cNvPr id="3" name="標題 2"/>
+          <p:cNvSpPr>
+            <a:spLocks noGrp="1"/>
+          </p:cNvSpPr>
+          <p:nvPr>
+            <p:ph type="title"/>
+          </p:nvPr>
+        </p:nvSpPr>
+        <p:spPr/>
+        <p:txBody>
           <a:bodyPr/>
           <a:lstStyle/>
           <a:p>
@@ -6306,7 +7008,7 @@
         </p:blipFill>
         <p:spPr>
           <a:xfrm>
-            <a:off x="1107824" y="1297130"/>
+            <a:off x="2417877" y="1327638"/>
             <a:ext cx="6829083" cy="4849580"/>
           </a:xfrm>
           <a:prstGeom prst="rect">
@@ -6314,76 +7016,52 @@
           </a:prstGeom>
         </p:spPr>
       </p:pic>
+      <p:sp>
+        <p:nvSpPr>
+          <p:cNvPr id="5" name="文字方塊 4">
+            <a:extLst>
+              <a:ext uri="{FF2B5EF4-FFF2-40B4-BE49-F238E27FC236}">
+                <a16:creationId xmlns:a16="http://schemas.microsoft.com/office/drawing/2014/main" id="{D41FD52C-282A-4D46-A7B8-402CC878CCE6}"/>
+              </a:ext>
+            </a:extLst>
+          </p:cNvPr>
+          <p:cNvSpPr txBox="1"/>
+          <p:nvPr/>
+        </p:nvSpPr>
+        <p:spPr>
+          <a:xfrm>
+            <a:off x="838200" y="1327638"/>
+            <a:ext cx="1396536" cy="369332"/>
+          </a:xfrm>
+          <a:prstGeom prst="rect">
+            <a:avLst/>
+          </a:prstGeom>
+          <a:noFill/>
+        </p:spPr>
+        <p:txBody>
+          <a:bodyPr wrap="none" rtlCol="0">
+            <a:spAutoFit/>
+          </a:bodyPr>
+          <a:lstStyle/>
+          <a:p>
+            <a:pPr marL="285750" indent="-285750">
+              <a:buFont typeface="Arial" panose="020B0604020202020204" pitchFamily="34" charset="0"/>
+              <a:buChar char="•"/>
+            </a:pPr>
+            <a:r>
+              <a:rPr lang="zh-TW" altLang="en-US" dirty="0">
+                <a:latin typeface="Times New Roman" panose="02020603050405020304" pitchFamily="18" charset="0"/>
+                <a:ea typeface="標楷體" panose="03000509000000000000" pitchFamily="65" charset="-120"/>
+              </a:rPr>
+              <a:t>設計架構</a:t>
+            </a:r>
+          </a:p>
+        </p:txBody>
+      </p:sp>
     </p:spTree>
     <p:extLst>
       <p:ext uri="{BB962C8B-B14F-4D97-AF65-F5344CB8AC3E}">
         <p14:creationId xmlns:p14="http://schemas.microsoft.com/office/powerpoint/2010/main" val="1042604376"/>
-      </p:ext>
-    </p:extLst>
-  </p:cSld>
-  <p:clrMapOvr>
-    <a:masterClrMapping/>
-  </p:clrMapOvr>
-</p:sld>
-</file>
-
-<file path=ppt/slides/slide8.xml><?xml version="1.0" encoding="utf-8"?>
-<p:sld xmlns:a="http://schemas.openxmlformats.org/drawingml/2006/main" xmlns:r="http://schemas.openxmlformats.org/officeDocument/2006/relationships" xmlns:p="http://schemas.openxmlformats.org/presentationml/2006/main">
-  <p:cSld>
-    <p:spTree>
-      <p:nvGrpSpPr>
-        <p:cNvPr id="1" name=""/>
-        <p:cNvGrpSpPr/>
-        <p:nvPr/>
-      </p:nvGrpSpPr>
-      <p:grpSpPr>
-        <a:xfrm>
-          <a:off x="0" y="0"/>
-          <a:ext cx="0" cy="0"/>
-          <a:chOff x="0" y="0"/>
-          <a:chExt cx="0" cy="0"/>
-        </a:xfrm>
-      </p:grpSpPr>
-      <p:sp>
-        <p:nvSpPr>
-          <p:cNvPr id="3" name="標題 2">
-            <a:extLst>
-              <a:ext uri="{FF2B5EF4-FFF2-40B4-BE49-F238E27FC236}">
-                <a16:creationId xmlns:a16="http://schemas.microsoft.com/office/drawing/2014/main" id="{EF277299-8610-4660-86B9-EE584C561AB1}"/>
-              </a:ext>
-            </a:extLst>
-          </p:cNvPr>
-          <p:cNvSpPr>
-            <a:spLocks noGrp="1"/>
-          </p:cNvSpPr>
-          <p:nvPr>
-            <p:ph type="title"/>
-          </p:nvPr>
-        </p:nvSpPr>
-        <p:spPr>
-          <a:xfrm>
-            <a:off x="838200" y="2251073"/>
-            <a:ext cx="10515600" cy="2355854"/>
-          </a:xfrm>
-        </p:spPr>
-        <p:txBody>
-          <a:bodyPr>
-            <a:normAutofit/>
-          </a:bodyPr>
-          <a:lstStyle/>
-          <a:p>
-            <a:r>
-              <a:rPr lang="en-US" altLang="zh-TW" sz="7200" dirty="0"/>
-              <a:t>2021/05/07 ~ 2021/05/14 </a:t>
-            </a:r>
-            <a:endParaRPr lang="zh-TW" altLang="en-US" sz="7200" dirty="0"/>
-          </a:p>
-        </p:txBody>
-      </p:sp>
-    </p:spTree>
-    <p:extLst>
-      <p:ext uri="{BB962C8B-B14F-4D97-AF65-F5344CB8AC3E}">
-        <p14:creationId xmlns:p14="http://schemas.microsoft.com/office/powerpoint/2010/main" val="2367352656"/>
       </p:ext>
     </p:extLst>
   </p:cSld>
@@ -6412,66 +7090,44 @@
       </p:grpSpPr>
       <p:sp>
         <p:nvSpPr>
-          <p:cNvPr id="3" name="標題 2"/>
-          <p:cNvSpPr>
-            <a:spLocks noGrp="1"/>
-          </p:cNvSpPr>
-          <p:nvPr>
-            <p:ph type="title"/>
-          </p:nvPr>
-        </p:nvSpPr>
-        <p:spPr/>
-        <p:txBody>
-          <a:bodyPr/>
-          <a:lstStyle/>
-          <a:p>
-            <a:r>
-              <a:rPr lang="zh-TW" altLang="en-US" dirty="0"/>
-              <a:t>當周進度</a:t>
-            </a:r>
-          </a:p>
-        </p:txBody>
-      </p:sp>
-      <p:pic>
-        <p:nvPicPr>
-          <p:cNvPr id="4" name="圖片 3">
+          <p:cNvPr id="3" name="標題 2">
             <a:extLst>
               <a:ext uri="{FF2B5EF4-FFF2-40B4-BE49-F238E27FC236}">
-                <a16:creationId xmlns:a16="http://schemas.microsoft.com/office/drawing/2014/main" id="{1B518967-723D-49C6-BA4B-9ACBBAD42442}"/>
+                <a16:creationId xmlns:a16="http://schemas.microsoft.com/office/drawing/2014/main" id="{EF277299-8610-4660-86B9-EE584C561AB1}"/>
               </a:ext>
             </a:extLst>
           </p:cNvPr>
-          <p:cNvPicPr>
-            <a:picLocks noChangeAspect="1"/>
-          </p:cNvPicPr>
-          <p:nvPr/>
-        </p:nvPicPr>
-        <p:blipFill>
-          <a:blip r:embed="rId2">
-            <a:extLst>
-              <a:ext uri="{28A0092B-C50C-407E-A947-70E740481C1C}">
-                <a14:useLocalDpi xmlns:a14="http://schemas.microsoft.com/office/drawing/2010/main" val="0"/>
-              </a:ext>
-            </a:extLst>
-          </a:blip>
-          <a:stretch>
-            <a:fillRect/>
-          </a:stretch>
-        </p:blipFill>
+          <p:cNvSpPr>
+            <a:spLocks noGrp="1"/>
+          </p:cNvSpPr>
+          <p:nvPr>
+            <p:ph type="title"/>
+          </p:nvPr>
+        </p:nvSpPr>
         <p:spPr>
           <a:xfrm>
-            <a:off x="1107824" y="1297130"/>
-            <a:ext cx="6829083" cy="4849580"/>
+            <a:off x="838200" y="2251073"/>
+            <a:ext cx="10515600" cy="2355854"/>
           </a:xfrm>
-          <a:prstGeom prst="rect">
-            <a:avLst/>
-          </a:prstGeom>
         </p:spPr>
-      </p:pic>
+        <p:txBody>
+          <a:bodyPr>
+            <a:normAutofit/>
+          </a:bodyPr>
+          <a:lstStyle/>
+          <a:p>
+            <a:r>
+              <a:rPr lang="en-US" altLang="zh-TW" sz="7200" dirty="0"/>
+              <a:t>2021/05/07 ~ 2021/05/14 </a:t>
+            </a:r>
+            <a:endParaRPr lang="zh-TW" altLang="en-US" sz="7200" dirty="0"/>
+          </a:p>
+        </p:txBody>
+      </p:sp>
     </p:spTree>
     <p:extLst>
       <p:ext uri="{BB962C8B-B14F-4D97-AF65-F5344CB8AC3E}">
-        <p14:creationId xmlns:p14="http://schemas.microsoft.com/office/powerpoint/2010/main" val="4030801437"/>
+        <p14:creationId xmlns:p14="http://schemas.microsoft.com/office/powerpoint/2010/main" val="2367352656"/>
       </p:ext>
     </p:extLst>
   </p:cSld>
